--- a/matiral/iOS应用程序开发入门.pptx
+++ b/matiral/iOS应用程序开发入门.pptx
@@ -200,7 +200,7 @@
           <a:p>
             <a:fld id="{4E67241D-A5EF-4C1F-8895-A2047A479AD9}" type="datetimeFigureOut">
               <a:rPr lang="zh-CN" altLang="en-US" smtClean="0"/>
-              <a:t>2013-1-6</a:t>
+              <a:t>9/10/12</a:t>
             </a:fld>
             <a:endParaRPr lang="zh-CN" altLang="en-US"/>
           </a:p>
@@ -2335,7 +2335,7 @@
   <p:timing>
     <p:tnLst>
       <p:par>
-        <p:cTn id="1" dur="indefinite" restart="never" nodeType="tmRoot"/>
+        <p:cTn xmlns:p14="http://schemas.microsoft.com/office/powerpoint/2010/main" id="1" dur="indefinite" restart="never" nodeType="tmRoot"/>
       </p:par>
     </p:tnLst>
   </p:timing>
@@ -3241,8 +3241,28 @@
             </a:r>
             <a:r>
               <a:rPr lang="en-US" altLang="zh-CN" dirty="0" smtClean="0"/>
-              <a:t>, laiqy06748@hundsun.com</a:t>
-            </a:r>
+              <a:t>, </a:t>
+            </a:r>
+            <a:endParaRPr lang="en-US" altLang="zh-CN" dirty="0"/>
+          </a:p>
+          <a:p>
+            <a:r>
+              <a:rPr lang="en-US" altLang="zh-CN" dirty="0"/>
+              <a:t> </a:t>
+            </a:r>
+            <a:r>
+              <a:rPr lang="en-US" altLang="zh-CN" dirty="0" err="1" smtClean="0"/>
+              <a:t>laiqinyi</a:t>
+            </a:r>
+            <a:r>
+              <a:rPr lang="en-US" altLang="zh-CN" err="1" smtClean="0"/>
+              <a:t>@</a:t>
+            </a:r>
+            <a:r>
+              <a:rPr lang="en-US" altLang="zh-CN" smtClean="0"/>
+              <a:t>gmail.com</a:t>
+            </a:r>
+            <a:endParaRPr lang="en-US" altLang="zh-CN" dirty="0" smtClean="0"/>
           </a:p>
           <a:p>
             <a:r>
@@ -3266,7 +3286,7 @@
   <p:timing>
     <p:tnLst>
       <p:par>
-        <p:cTn id="1" dur="indefinite" restart="never" nodeType="tmRoot"/>
+        <p:cTn xmlns:p14="http://schemas.microsoft.com/office/powerpoint/2010/main" id="1" dur="indefinite" restart="never" nodeType="tmRoot"/>
       </p:par>
     </p:tnLst>
   </p:timing>
@@ -3877,7 +3897,7 @@
   <p:timing>
     <p:tnLst>
       <p:par>
-        <p:cTn id="1" dur="indefinite" restart="never" nodeType="tmRoot"/>
+        <p:cTn xmlns:p14="http://schemas.microsoft.com/office/powerpoint/2010/main" id="1" dur="indefinite" restart="never" nodeType="tmRoot"/>
       </p:par>
     </p:tnLst>
   </p:timing>
@@ -4059,7 +4079,7 @@
   <p:timing>
     <p:tnLst>
       <p:par>
-        <p:cTn id="1" dur="indefinite" restart="never" nodeType="tmRoot"/>
+        <p:cTn xmlns:p14="http://schemas.microsoft.com/office/powerpoint/2010/main" id="1" dur="indefinite" restart="never" nodeType="tmRoot"/>
       </p:par>
     </p:tnLst>
   </p:timing>
@@ -4492,7 +4512,7 @@
   <p:timing>
     <p:tnLst>
       <p:par>
-        <p:cTn id="1" dur="indefinite" restart="never" nodeType="tmRoot"/>
+        <p:cTn xmlns:p14="http://schemas.microsoft.com/office/powerpoint/2010/main" id="1" dur="indefinite" restart="never" nodeType="tmRoot"/>
       </p:par>
     </p:tnLst>
   </p:timing>
@@ -4851,7 +4871,7 @@
   <p:timing>
     <p:tnLst>
       <p:par>
-        <p:cTn id="1" dur="indefinite" restart="never" nodeType="tmRoot"/>
+        <p:cTn xmlns:p14="http://schemas.microsoft.com/office/powerpoint/2010/main" id="1" dur="indefinite" restart="never" nodeType="tmRoot"/>
       </p:par>
     </p:tnLst>
   </p:timing>
@@ -5018,7 +5038,7 @@
   <p:timing>
     <p:tnLst>
       <p:par>
-        <p:cTn id="1" dur="indefinite" restart="never" nodeType="tmRoot"/>
+        <p:cTn xmlns:p14="http://schemas.microsoft.com/office/powerpoint/2010/main" id="1" dur="indefinite" restart="never" nodeType="tmRoot"/>
       </p:par>
     </p:tnLst>
   </p:timing>
@@ -5549,7 +5569,7 @@
   <p:timing>
     <p:tnLst>
       <p:par>
-        <p:cTn id="1" dur="indefinite" restart="never" nodeType="tmRoot"/>
+        <p:cTn xmlns:p14="http://schemas.microsoft.com/office/powerpoint/2010/main" id="1" dur="indefinite" restart="never" nodeType="tmRoot"/>
       </p:par>
     </p:tnLst>
   </p:timing>
@@ -5705,11 +5725,7 @@
           <a:p>
             <a:r>
               <a:rPr lang="en-US" altLang="zh-CN" dirty="0" smtClean="0"/>
-              <a:t>stackoverflow.com</a:t>
-            </a:r>
-            <a:r>
-              <a:rPr lang="en-US" altLang="zh-CN" dirty="0" smtClean="0"/>
-              <a:t>/</a:t>
+              <a:t>stackoverflow.com/</a:t>
             </a:r>
           </a:p>
           <a:p>
@@ -5875,7 +5891,7 @@
   <p:timing>
     <p:tnLst>
       <p:par>
-        <p:cTn id="1" dur="indefinite" restart="never" nodeType="tmRoot"/>
+        <p:cTn xmlns:p14="http://schemas.microsoft.com/office/powerpoint/2010/main" id="1" dur="indefinite" restart="never" nodeType="tmRoot"/>
       </p:par>
     </p:tnLst>
   </p:timing>
@@ -6032,7 +6048,7 @@
   <p:timing>
     <p:tnLst>
       <p:par>
-        <p:cTn id="1" dur="indefinite" restart="never" nodeType="tmRoot"/>
+        <p:cTn xmlns:p14="http://schemas.microsoft.com/office/powerpoint/2010/main" id="1" dur="indefinite" restart="never" nodeType="tmRoot"/>
       </p:par>
     </p:tnLst>
   </p:timing>

--- a/matiral/iOS应用程序开发入门.pptx
+++ b/matiral/iOS应用程序开发入门.pptx
@@ -200,7 +200,7 @@
           <a:p>
             <a:fld id="{4E67241D-A5EF-4C1F-8895-A2047A479AD9}" type="datetimeFigureOut">
               <a:rPr lang="zh-CN" altLang="en-US" smtClean="0"/>
-              <a:t>1/31/13</a:t>
+              <a:t>2/4/13</a:t>
             </a:fld>
             <a:endParaRPr lang="zh-CN" altLang="en-US"/>
           </a:p>
@@ -6055,7 +6055,7 @@
             <a:r>
               <a:rPr lang="en-US" altLang="en-US" b="1" dirty="0" smtClean="0">
                 <a:solidFill>
-                  <a:srgbClr val="00B0F0"/>
+                  <a:srgbClr val="008000"/>
                 </a:solidFill>
               </a:rPr>
               <a:t>练习:</a:t>
@@ -6065,43 +6065,59 @@
             <a:r>
               <a:rPr lang="en-US" altLang="zh-CN" b="1" dirty="0" err="1" smtClean="0">
                 <a:solidFill>
-                  <a:srgbClr val="00B0F0"/>
-                </a:solidFill>
-              </a:rPr>
-              <a:t>UITableViewController</a:t>
+                  <a:srgbClr val="008000"/>
+                </a:solidFill>
+              </a:rPr>
+              <a:t>UITableView,</a:t>
+            </a:r>
+            <a:r>
+              <a:rPr lang="en-US" altLang="zh-CN" b="1" dirty="0" err="1" smtClean="0">
+                <a:solidFill>
+                  <a:srgbClr val="008000"/>
+                </a:solidFill>
+              </a:rPr>
+              <a:t>list</a:t>
             </a:r>
             <a:r>
               <a:rPr lang="en-US" altLang="zh-CN" b="1" dirty="0" smtClean="0">
                 <a:solidFill>
-                  <a:srgbClr val="00B0F0"/>
-                </a:solidFill>
-              </a:rPr>
-              <a:t> ,list-&gt;detail</a:t>
+                  <a:srgbClr val="008000"/>
+                </a:solidFill>
+              </a:rPr>
+              <a:t>-&gt;detail</a:t>
             </a:r>
           </a:p>
           <a:p>
             <a:r>
               <a:rPr lang="en-US" altLang="zh-CN" b="1" dirty="0" err="1" smtClean="0">
                 <a:solidFill>
-                  <a:srgbClr val="00B0F0"/>
-                </a:solidFill>
-              </a:rPr>
-              <a:t>UINavigationController</a:t>
+                  <a:srgbClr val="008000"/>
+                </a:solidFill>
+              </a:rPr>
+              <a:t>UINavUITableViewController</a:t>
             </a:r>
             <a:r>
               <a:rPr lang="en-US" altLang="zh-CN" b="1" dirty="0" smtClean="0">
                 <a:solidFill>
-                  <a:srgbClr val="00B0F0"/>
-                </a:solidFill>
-              </a:rPr>
-              <a:t>, multipage-&gt;push</a:t>
+                  <a:srgbClr val="008000"/>
+                </a:solidFill>
+              </a:rPr>
+              <a:t>, </a:t>
+            </a:r>
+            <a:r>
+              <a:rPr lang="en-US" altLang="zh-CN" b="1" dirty="0" smtClean="0">
+                <a:solidFill>
+                  <a:srgbClr val="008000"/>
+                </a:solidFill>
+              </a:rPr>
+              <a:t>multipage-&gt;push</a:t>
             </a:r>
           </a:p>
           <a:p>
             <a:r>
               <a:rPr lang="en-US" altLang="zh-CN" b="1" dirty="0" err="1" smtClean="0">
                 <a:solidFill>
-                  <a:srgbClr val="00B0F0"/>
+                  <a:srgbClr val="008000"/>
                 </a:solidFill>
               </a:rPr>
               <a:t>TabbarController</a:t>
@@ -6109,121 +6125,108 @@
             <a:r>
               <a:rPr lang="en-US" altLang="zh-CN" b="1" dirty="0" smtClean="0">
                 <a:solidFill>
-                  <a:srgbClr val="00B0F0"/>
+                  <a:srgbClr val="008000"/>
+                </a:solidFill>
+              </a:rPr>
+              <a:t>, tab-switch</a:t>
+            </a:r>
+          </a:p>
+          <a:p>
+            <a:r>
+              <a:rPr lang="en-US" altLang="zh-CN" b="1" dirty="0" err="1" smtClean="0">
+                <a:solidFill>
+                  <a:srgbClr val="008000"/>
+                </a:solidFill>
+              </a:rPr>
+              <a:t>UIWebView</a:t>
+            </a:r>
+            <a:r>
+              <a:rPr lang="en-US" altLang="zh-CN" b="1" dirty="0" smtClean="0">
+                <a:solidFill>
+                  <a:srgbClr val="008000"/>
+                </a:solidFill>
+              </a:rPr>
+              <a:t>, load a URL</a:t>
+            </a:r>
+          </a:p>
+          <a:p>
+            <a:r>
+              <a:rPr lang="en-US" altLang="zh-CN" b="1" dirty="0" err="1" smtClean="0">
+                <a:solidFill>
+                  <a:srgbClr val="008000"/>
+                </a:solidFill>
+              </a:rPr>
+              <a:t>UISearchBar</a:t>
+            </a:r>
+            <a:r>
+              <a:rPr lang="en-US" altLang="zh-CN" b="1" dirty="0" smtClean="0">
+                <a:solidFill>
+                  <a:srgbClr val="008000"/>
+                </a:solidFill>
+              </a:rPr>
+              <a:t>, searching-result</a:t>
+            </a:r>
+          </a:p>
+          <a:p>
+            <a:r>
+              <a:rPr lang="en-US" altLang="zh-CN" b="1" dirty="0" err="1" smtClean="0">
+                <a:solidFill>
+                  <a:srgbClr val="008000"/>
+                </a:solidFill>
+              </a:rPr>
+              <a:t>UIToolBar,open</a:t>
+            </a:r>
+            <a:r>
+              <a:rPr lang="en-US" altLang="zh-CN" b="1" dirty="0" smtClean="0">
+                <a:solidFill>
+                  <a:srgbClr val="008000"/>
+                </a:solidFill>
+              </a:rPr>
+              <a:t> a </a:t>
+            </a:r>
+            <a:r>
+              <a:rPr lang="en-US" altLang="zh-CN" b="1" dirty="0" err="1" smtClean="0">
+                <a:solidFill>
+                  <a:srgbClr val="008000"/>
+                </a:solidFill>
+              </a:rPr>
+              <a:t>datepicker</a:t>
+            </a:r>
+            <a:r>
+              <a:rPr lang="en-US" altLang="zh-CN" b="1" dirty="0" smtClean="0">
+                <a:solidFill>
+                  <a:srgbClr val="008000"/>
+                </a:solidFill>
+              </a:rPr>
+              <a:t>, show </a:t>
+            </a:r>
+            <a:r>
+              <a:rPr lang="en-US" altLang="zh-CN" b="1" dirty="0" err="1" smtClean="0">
+                <a:solidFill>
+                  <a:srgbClr val="008000"/>
+                </a:solidFill>
+              </a:rPr>
+              <a:t>AlertView</a:t>
+            </a:r>
+            <a:r>
+              <a:rPr lang="en-US" altLang="zh-CN" b="1" dirty="0" smtClean="0">
+                <a:solidFill>
+                  <a:srgbClr val="008000"/>
                 </a:solidFill>
               </a:rPr>
               <a:t>, </a:t>
             </a:r>
             <a:r>
-              <a:rPr lang="en-US" altLang="zh-CN" b="1" dirty="0" smtClean="0">
-                <a:solidFill>
-                  <a:srgbClr val="00B0F0"/>
-                </a:solidFill>
-              </a:rPr>
-              <a:t>tab-switch</a:t>
-            </a:r>
-            <a:endParaRPr lang="en-US" altLang="zh-CN" b="1" dirty="0" smtClean="0">
-              <a:solidFill>
-                <a:srgbClr val="00B0F0"/>
-              </a:solidFill>
-            </a:endParaRPr>
-          </a:p>
-          <a:p>
-            <a:r>
               <a:rPr lang="en-US" altLang="zh-CN" b="1" dirty="0" err="1" smtClean="0">
                 <a:solidFill>
-                  <a:srgbClr val="00B0F0"/>
-                </a:solidFill>
-              </a:rPr>
-              <a:t>UIWebView</a:t>
-            </a:r>
-            <a:r>
-              <a:rPr lang="en-US" altLang="zh-CN" b="1" dirty="0" smtClean="0">
-                <a:solidFill>
-                  <a:srgbClr val="00B0F0"/>
-                </a:solidFill>
-              </a:rPr>
-              <a:t>, load a URL</a:t>
-            </a:r>
-          </a:p>
-          <a:p>
-            <a:r>
-              <a:rPr lang="en-US" altLang="zh-CN" b="1" dirty="0" err="1" smtClean="0">
-                <a:solidFill>
-                  <a:srgbClr val="00B0F0"/>
-                </a:solidFill>
-              </a:rPr>
-              <a:t>UISearchBar</a:t>
-            </a:r>
-            <a:r>
-              <a:rPr lang="en-US" altLang="zh-CN" b="1" dirty="0" smtClean="0">
-                <a:solidFill>
-                  <a:srgbClr val="00B0F0"/>
-                </a:solidFill>
-              </a:rPr>
-              <a:t>, searching-result</a:t>
-            </a:r>
-          </a:p>
-          <a:p>
-            <a:r>
-              <a:rPr lang="en-US" altLang="zh-CN" b="1" dirty="0" err="1" smtClean="0">
-                <a:solidFill>
-                  <a:srgbClr val="00B0F0"/>
-                </a:solidFill>
-              </a:rPr>
-              <a:t>UIToolBar,open</a:t>
-            </a:r>
-            <a:r>
-              <a:rPr lang="en-US" altLang="zh-CN" b="1" dirty="0" smtClean="0">
-                <a:solidFill>
-                  <a:srgbClr val="00B0F0"/>
-                </a:solidFill>
-              </a:rPr>
-              <a:t> a </a:t>
-            </a:r>
-            <a:r>
-              <a:rPr lang="en-US" altLang="zh-CN" b="1" dirty="0" err="1" smtClean="0">
-                <a:solidFill>
-                  <a:srgbClr val="00B0F0"/>
-                </a:solidFill>
-              </a:rPr>
-              <a:t>datepicker</a:t>
-            </a:r>
-            <a:r>
-              <a:rPr lang="en-US" altLang="zh-CN" b="1" dirty="0" smtClean="0">
-                <a:solidFill>
-                  <a:srgbClr val="00B0F0"/>
-                </a:solidFill>
-              </a:rPr>
-              <a:t>, show </a:t>
-            </a:r>
-            <a:r>
-              <a:rPr lang="en-US" altLang="zh-CN" b="1" dirty="0" err="1" smtClean="0">
-                <a:solidFill>
-                  <a:srgbClr val="00B0F0"/>
-                </a:solidFill>
-              </a:rPr>
-              <a:t>AlertView</a:t>
-            </a:r>
-            <a:r>
-              <a:rPr lang="en-US" altLang="zh-CN" b="1" dirty="0" smtClean="0">
-                <a:solidFill>
-                  <a:srgbClr val="00B0F0"/>
-                </a:solidFill>
-              </a:rPr>
-              <a:t>, </a:t>
-            </a:r>
-            <a:r>
-              <a:rPr lang="en-US" altLang="zh-CN" b="1" smtClean="0">
-                <a:solidFill>
-                  <a:srgbClr val="00B0F0"/>
+                  <a:srgbClr val="008000"/>
                 </a:solidFill>
               </a:rPr>
               <a:t>ActionSheet</a:t>
             </a:r>
             <a:endParaRPr lang="zh-CN" altLang="en-US" b="1" dirty="0">
               <a:solidFill>
-                <a:srgbClr val="00B0F0"/>
+                <a:srgbClr val="008000"/>
               </a:solidFill>
             </a:endParaRPr>
           </a:p>

--- a/matiral/iOS应用程序开发入门.pptx
+++ b/matiral/iOS应用程序开发入门.pptx
@@ -200,7 +200,7 @@
           <a:p>
             <a:fld id="{4E67241D-A5EF-4C1F-8895-A2047A479AD9}" type="datetimeFigureOut">
               <a:rPr lang="zh-CN" altLang="en-US" smtClean="0"/>
-              <a:t>2/4/13</a:t>
+              <a:t>2/5/13</a:t>
             </a:fld>
             <a:endParaRPr lang="zh-CN" altLang="en-US"/>
           </a:p>
@@ -6068,15 +6068,25 @@
                   <a:srgbClr val="008000"/>
                 </a:solidFill>
               </a:rPr>
-              <a:t>UITableView,</a:t>
-            </a:r>
+              <a:t>UITableView,list</a:t>
+            </a:r>
+            <a:r>
+              <a:rPr lang="en-US" altLang="zh-CN" b="1" dirty="0" smtClean="0">
+                <a:solidFill>
+                  <a:srgbClr val="008000"/>
+                </a:solidFill>
+              </a:rPr>
+              <a:t>-&gt;detail</a:t>
+            </a:r>
+          </a:p>
+          <a:p>
             <a:r>
               <a:rPr lang="en-US" altLang="zh-CN" b="1" dirty="0" err="1" smtClean="0">
                 <a:solidFill>
                   <a:srgbClr val="008000"/>
                 </a:solidFill>
               </a:rPr>
-              <a:t>list</a:t>
+              <a:t>UINavigation</a:t>
             </a:r>
             <a:r>
               <a:rPr lang="en-US" altLang="zh-CN" b="1" dirty="0" smtClean="0">
@@ -6084,7 +6094,15 @@
                   <a:srgbClr val="008000"/>
                 </a:solidFill>
               </a:rPr>
-              <a:t>-&gt;detail</a:t>
+              <a:t>, </a:t>
+            </a:r>
+            <a:r>
+              <a:rPr lang="en-US" altLang="zh-CN" b="1" dirty="0" smtClean="0">
+                <a:solidFill>
+                  <a:srgbClr val="008000"/>
+                </a:solidFill>
+              </a:rPr>
+              <a:t>multipage-&gt;push</a:t>
             </a:r>
           </a:p>
           <a:p>
@@ -6094,7 +6112,7 @@
                   <a:srgbClr val="008000"/>
                 </a:solidFill>
               </a:rPr>
-              <a:t>UINavUITableViewController</a:t>
+              <a:t>UITabbar</a:t>
             </a:r>
             <a:r>
               <a:rPr lang="en-US" altLang="zh-CN" b="1" dirty="0" smtClean="0">
@@ -6110,25 +6128,7 @@
                   <a:srgbClr val="008000"/>
                 </a:solidFill>
               </a:rPr>
-              <a:t>multipage-&gt;push</a:t>
-            </a:r>
-          </a:p>
-          <a:p>
-            <a:r>
-              <a:rPr lang="en-US" altLang="zh-CN" b="1" dirty="0" err="1" smtClean="0">
-                <a:solidFill>
-                  <a:srgbClr val="008000"/>
-                </a:solidFill>
-              </a:rPr>
-              <a:t>TabbarController</a:t>
-            </a:r>
-            <a:r>
-              <a:rPr lang="en-US" altLang="zh-CN" b="1" dirty="0" smtClean="0">
-                <a:solidFill>
-                  <a:srgbClr val="008000"/>
-                </a:solidFill>
-              </a:rPr>
-              <a:t>, tab-switch</a:t>
+              <a:t>tab-switch</a:t>
             </a:r>
           </a:p>
           <a:p>

--- a/matiral/iOS应用程序开发入门.pptx
+++ b/matiral/iOS应用程序开发入门.pptx
@@ -5,18 +5,17 @@
     <p:sldMasterId id="2147483648" r:id="rId1"/>
   </p:sldMasterIdLst>
   <p:notesMasterIdLst>
-    <p:notesMasterId r:id="rId11"/>
+    <p:notesMasterId r:id="rId10"/>
   </p:notesMasterIdLst>
   <p:sldIdLst>
-    <p:sldId id="256" r:id="rId2"/>
-    <p:sldId id="257" r:id="rId3"/>
-    <p:sldId id="308" r:id="rId4"/>
-    <p:sldId id="309" r:id="rId5"/>
-    <p:sldId id="310" r:id="rId6"/>
-    <p:sldId id="311" r:id="rId7"/>
-    <p:sldId id="314" r:id="rId8"/>
-    <p:sldId id="313" r:id="rId9"/>
-    <p:sldId id="312" r:id="rId10"/>
+    <p:sldId id="257" r:id="rId2"/>
+    <p:sldId id="308" r:id="rId3"/>
+    <p:sldId id="309" r:id="rId4"/>
+    <p:sldId id="310" r:id="rId5"/>
+    <p:sldId id="311" r:id="rId6"/>
+    <p:sldId id="314" r:id="rId7"/>
+    <p:sldId id="313" r:id="rId8"/>
+    <p:sldId id="312" r:id="rId9"/>
   </p:sldIdLst>
   <p:sldSz cx="9144000" cy="6858000" type="screen4x3"/>
   <p:notesSz cx="6858000" cy="9144000"/>
@@ -200,7 +199,7 @@
           <a:p>
             <a:fld id="{4E67241D-A5EF-4C1F-8895-A2047A479AD9}" type="datetimeFigureOut">
               <a:rPr lang="zh-CN" altLang="en-US" smtClean="0"/>
-              <a:t>2/5/13</a:t>
+              <a:t>2/18/13</a:t>
             </a:fld>
             <a:endParaRPr lang="zh-CN" altLang="en-US"/>
           </a:p>
@@ -590,7 +589,7 @@
           <a:p>
             <a:fld id="{A10158C8-7FC3-4232-8AF7-B4A93D0FCDA8}" type="slidenum">
               <a:rPr lang="zh-CN" altLang="en-US" smtClean="0"/>
-              <a:t>3</a:t>
+              <a:t>2</a:t>
             </a:fld>
             <a:endParaRPr lang="zh-CN" altLang="en-US"/>
           </a:p>
@@ -731,7 +730,7 @@
           <a:p>
             <a:fld id="{A10158C8-7FC3-4232-8AF7-B4A93D0FCDA8}" type="slidenum">
               <a:rPr lang="zh-CN" altLang="en-US" smtClean="0"/>
-              <a:t>4</a:t>
+              <a:t>3</a:t>
             </a:fld>
             <a:endParaRPr lang="zh-CN" altLang="en-US"/>
           </a:p>
@@ -872,7 +871,7 @@
           <a:p>
             <a:fld id="{A10158C8-7FC3-4232-8AF7-B4A93D0FCDA8}" type="slidenum">
               <a:rPr lang="zh-CN" altLang="en-US" smtClean="0"/>
-              <a:t>5</a:t>
+              <a:t>4</a:t>
             </a:fld>
             <a:endParaRPr lang="zh-CN" altLang="en-US"/>
           </a:p>
@@ -1013,7 +1012,7 @@
           <a:p>
             <a:fld id="{A10158C8-7FC3-4232-8AF7-B4A93D0FCDA8}" type="slidenum">
               <a:rPr lang="zh-CN" altLang="en-US" smtClean="0"/>
-              <a:t>6</a:t>
+              <a:t>5</a:t>
             </a:fld>
             <a:endParaRPr lang="zh-CN" altLang="en-US"/>
           </a:p>
@@ -1154,7 +1153,7 @@
           <a:p>
             <a:fld id="{A10158C8-7FC3-4232-8AF7-B4A93D0FCDA8}" type="slidenum">
               <a:rPr lang="zh-CN" altLang="en-US" smtClean="0"/>
-              <a:t>7</a:t>
+              <a:t>6</a:t>
             </a:fld>
             <a:endParaRPr lang="zh-CN" altLang="en-US"/>
           </a:p>
@@ -1295,7 +1294,7 @@
           <a:p>
             <a:fld id="{A10158C8-7FC3-4232-8AF7-B4A93D0FCDA8}" type="slidenum">
               <a:rPr lang="zh-CN" altLang="en-US" smtClean="0"/>
-              <a:t>8</a:t>
+              <a:t>7</a:t>
             </a:fld>
             <a:endParaRPr lang="zh-CN" altLang="en-US"/>
           </a:p>
@@ -1436,7 +1435,7 @@
           <a:p>
             <a:fld id="{A10158C8-7FC3-4232-8AF7-B4A93D0FCDA8}" type="slidenum">
               <a:rPr lang="zh-CN" altLang="en-US" smtClean="0"/>
-              <a:t>9</a:t>
+              <a:t>8</a:t>
             </a:fld>
             <a:endParaRPr lang="zh-CN" altLang="en-US"/>
           </a:p>
@@ -3156,146 +3155,6 @@
 <file path=ppt/slides/slide1.xml><?xml version="1.0" encoding="utf-8"?>
 <p:sld xmlns:a="http://schemas.openxmlformats.org/drawingml/2006/main" xmlns:r="http://schemas.openxmlformats.org/officeDocument/2006/relationships" xmlns:p="http://schemas.openxmlformats.org/presentationml/2006/main">
   <p:cSld>
-    <p:spTree>
-      <p:nvGrpSpPr>
-        <p:cNvPr id="1" name=""/>
-        <p:cNvGrpSpPr/>
-        <p:nvPr/>
-      </p:nvGrpSpPr>
-      <p:grpSpPr>
-        <a:xfrm>
-          <a:off x="0" y="0"/>
-          <a:ext cx="0" cy="0"/>
-          <a:chOff x="0" y="0"/>
-          <a:chExt cx="0" cy="0"/>
-        </a:xfrm>
-      </p:grpSpPr>
-      <p:sp>
-        <p:nvSpPr>
-          <p:cNvPr id="4" name="标题 3"/>
-          <p:cNvSpPr>
-            <a:spLocks noGrp="1"/>
-          </p:cNvSpPr>
-          <p:nvPr>
-            <p:ph type="ctrTitle" sz="quarter"/>
-          </p:nvPr>
-        </p:nvSpPr>
-        <p:spPr>
-          <a:xfrm>
-            <a:off x="2843808" y="2996952"/>
-            <a:ext cx="5940152" cy="612775"/>
-          </a:xfrm>
-        </p:spPr>
-        <p:txBody>
-          <a:bodyPr/>
-          <a:lstStyle/>
-          <a:p>
-            <a:r>
-              <a:rPr lang="en-US" altLang="zh-CN" sz="4000" dirty="0" err="1">
-                <a:solidFill>
-                  <a:srgbClr val="C00000"/>
-                </a:solidFill>
-              </a:rPr>
-              <a:t>iOS</a:t>
-            </a:r>
-            <a:r>
-              <a:rPr lang="zh-CN" altLang="en-US" sz="4000" dirty="0">
-                <a:solidFill>
-                  <a:srgbClr val="C00000"/>
-                </a:solidFill>
-              </a:rPr>
-              <a:t>应用程序开发入门</a:t>
-            </a:r>
-          </a:p>
-        </p:txBody>
-      </p:sp>
-      <p:sp>
-        <p:nvSpPr>
-          <p:cNvPr id="2" name="TextBox 1"/>
-          <p:cNvSpPr txBox="1"/>
-          <p:nvPr/>
-        </p:nvSpPr>
-        <p:spPr>
-          <a:xfrm>
-            <a:off x="5652120" y="4293096"/>
-            <a:ext cx="3024336" cy="923330"/>
-          </a:xfrm>
-          <a:prstGeom prst="rect">
-            <a:avLst/>
-          </a:prstGeom>
-          <a:noFill/>
-        </p:spPr>
-        <p:txBody>
-          <a:bodyPr wrap="square" rtlCol="0">
-            <a:spAutoFit/>
-          </a:bodyPr>
-          <a:lstStyle/>
-          <a:p>
-            <a:r>
-              <a:rPr lang="zh-CN" altLang="en-US" dirty="0"/>
-              <a:t>赖勤</a:t>
-            </a:r>
-            <a:r>
-              <a:rPr lang="zh-CN" altLang="en-US" dirty="0" smtClean="0"/>
-              <a:t>毅</a:t>
-            </a:r>
-            <a:r>
-              <a:rPr lang="en-US" altLang="zh-CN" dirty="0" smtClean="0"/>
-              <a:t>, </a:t>
-            </a:r>
-            <a:endParaRPr lang="en-US" altLang="zh-CN" dirty="0"/>
-          </a:p>
-          <a:p>
-            <a:r>
-              <a:rPr lang="en-US" altLang="zh-CN" dirty="0"/>
-              <a:t> </a:t>
-            </a:r>
-            <a:r>
-              <a:rPr lang="en-US" altLang="zh-CN" dirty="0" err="1" smtClean="0"/>
-              <a:t>laiqinyi</a:t>
-            </a:r>
-            <a:r>
-              <a:rPr lang="en-US" altLang="zh-CN" err="1" smtClean="0"/>
-              <a:t>@</a:t>
-            </a:r>
-            <a:r>
-              <a:rPr lang="en-US" altLang="zh-CN" smtClean="0"/>
-              <a:t>gmail.com</a:t>
-            </a:r>
-            <a:endParaRPr lang="en-US" altLang="zh-CN" dirty="0" smtClean="0"/>
-          </a:p>
-          <a:p>
-            <a:r>
-              <a:rPr lang="en-US" altLang="zh-CN" dirty="0" smtClean="0"/>
-              <a:t>2012-09</a:t>
-            </a:r>
-            <a:endParaRPr lang="zh-CN" altLang="en-US" dirty="0"/>
-          </a:p>
-        </p:txBody>
-      </p:sp>
-    </p:spTree>
-    <p:extLst>
-      <p:ext uri="{BB962C8B-B14F-4D97-AF65-F5344CB8AC3E}">
-        <p14:creationId xmlns:p14="http://schemas.microsoft.com/office/powerpoint/2010/main" val="2234023674"/>
-      </p:ext>
-    </p:extLst>
-  </p:cSld>
-  <p:clrMapOvr>
-    <a:masterClrMapping/>
-  </p:clrMapOvr>
-  <p:timing>
-    <p:tnLst>
-      <p:par>
-        <p:cTn xmlns:p14="http://schemas.microsoft.com/office/powerpoint/2010/main" id="1" dur="indefinite" restart="never" nodeType="tmRoot"/>
-      </p:par>
-    </p:tnLst>
-  </p:timing>
-</p:sld>
-</file>
-
-<file path=ppt/slides/slide2.xml><?xml version="1.0" encoding="utf-8"?>
-<p:sld xmlns:a="http://schemas.openxmlformats.org/drawingml/2006/main" xmlns:r="http://schemas.openxmlformats.org/officeDocument/2006/relationships" xmlns:p="http://schemas.openxmlformats.org/presentationml/2006/main">
-  <p:cSld>
     <p:bg>
       <p:bgPr>
         <a:blipFill dpi="0" rotWithShape="1">
@@ -3904,7 +3763,7 @@
 </p:sld>
 </file>
 
-<file path=ppt/slides/slide3.xml><?xml version="1.0" encoding="utf-8"?>
+<file path=ppt/slides/slide2.xml><?xml version="1.0" encoding="utf-8"?>
 <p:sld xmlns:a="http://schemas.openxmlformats.org/drawingml/2006/main" xmlns:r="http://schemas.openxmlformats.org/officeDocument/2006/relationships" xmlns:p="http://schemas.openxmlformats.org/presentationml/2006/main">
   <p:cSld>
     <p:spTree>
@@ -4086,7 +3945,7 @@
 </p:sld>
 </file>
 
-<file path=ppt/slides/slide4.xml><?xml version="1.0" encoding="utf-8"?>
+<file path=ppt/slides/slide3.xml><?xml version="1.0" encoding="utf-8"?>
 <p:sld xmlns:a="http://schemas.openxmlformats.org/drawingml/2006/main" xmlns:r="http://schemas.openxmlformats.org/officeDocument/2006/relationships" xmlns:p="http://schemas.openxmlformats.org/presentationml/2006/main">
   <p:cSld>
     <p:bg>
@@ -4519,7 +4378,7 @@
 </p:sld>
 </file>
 
-<file path=ppt/slides/slide5.xml><?xml version="1.0" encoding="utf-8"?>
+<file path=ppt/slides/slide4.xml><?xml version="1.0" encoding="utf-8"?>
 <p:sld xmlns:a="http://schemas.openxmlformats.org/drawingml/2006/main" xmlns:r="http://schemas.openxmlformats.org/officeDocument/2006/relationships" xmlns:p="http://schemas.openxmlformats.org/presentationml/2006/main">
   <p:cSld>
     <p:spTree>
@@ -4878,7 +4737,7 @@
 </p:sld>
 </file>
 
-<file path=ppt/slides/slide6.xml><?xml version="1.0" encoding="utf-8"?>
+<file path=ppt/slides/slide5.xml><?xml version="1.0" encoding="utf-8"?>
 <p:sld xmlns:a="http://schemas.openxmlformats.org/drawingml/2006/main" xmlns:r="http://schemas.openxmlformats.org/officeDocument/2006/relationships" xmlns:p="http://schemas.openxmlformats.org/presentationml/2006/main">
   <p:cSld>
     <p:spTree>
@@ -5045,7 +4904,7 @@
 </p:sld>
 </file>
 
-<file path=ppt/slides/slide7.xml><?xml version="1.0" encoding="utf-8"?>
+<file path=ppt/slides/slide6.xml><?xml version="1.0" encoding="utf-8"?>
 <p:sld xmlns:a="http://schemas.openxmlformats.org/drawingml/2006/main" xmlns:r="http://schemas.openxmlformats.org/officeDocument/2006/relationships" xmlns:p="http://schemas.openxmlformats.org/presentationml/2006/main">
   <p:cSld>
     <p:spTree>
@@ -5576,7 +5435,7 @@
 </p:sld>
 </file>
 
-<file path=ppt/slides/slide8.xml><?xml version="1.0" encoding="utf-8"?>
+<file path=ppt/slides/slide7.xml><?xml version="1.0" encoding="utf-8"?>
 <p:sld xmlns:a="http://schemas.openxmlformats.org/drawingml/2006/main" xmlns:r="http://schemas.openxmlformats.org/officeDocument/2006/relationships" xmlns:p="http://schemas.openxmlformats.org/presentationml/2006/main">
   <p:cSld>
     <p:spTree>
@@ -5898,7 +5757,7 @@
 </p:sld>
 </file>
 
-<file path=ppt/slides/slide9.xml><?xml version="1.0" encoding="utf-8"?>
+<file path=ppt/slides/slide8.xml><?xml version="1.0" encoding="utf-8"?>
 <p:sld xmlns:a="http://schemas.openxmlformats.org/drawingml/2006/main" xmlns:r="http://schemas.openxmlformats.org/officeDocument/2006/relationships" xmlns:p="http://schemas.openxmlformats.org/presentationml/2006/main">
   <p:cSld>
     <p:bg>
@@ -6094,7 +5953,17 @@
                   <a:srgbClr val="008000"/>
                 </a:solidFill>
               </a:rPr>
-              <a:t>, </a:t>
+              <a:t>, multipage-&gt;push</a:t>
+            </a:r>
+          </a:p>
+          <a:p>
+            <a:r>
+              <a:rPr lang="en-US" altLang="zh-CN" b="1" dirty="0" err="1" smtClean="0">
+                <a:solidFill>
+                  <a:srgbClr val="008000"/>
+                </a:solidFill>
+              </a:rPr>
+              <a:t>UITabbar</a:t>
             </a:r>
             <a:r>
               <a:rPr lang="en-US" altLang="zh-CN" b="1" dirty="0" smtClean="0">
@@ -6102,33 +5971,7 @@
                   <a:srgbClr val="008000"/>
                 </a:solidFill>
               </a:rPr>
-              <a:t>multipage-&gt;push</a:t>
-            </a:r>
-          </a:p>
-          <a:p>
-            <a:r>
-              <a:rPr lang="en-US" altLang="zh-CN" b="1" dirty="0" err="1" smtClean="0">
-                <a:solidFill>
-                  <a:srgbClr val="008000"/>
-                </a:solidFill>
-              </a:rPr>
-              <a:t>UITabbar</a:t>
-            </a:r>
-            <a:r>
-              <a:rPr lang="en-US" altLang="zh-CN" b="1" dirty="0" smtClean="0">
-                <a:solidFill>
-                  <a:srgbClr val="008000"/>
-                </a:solidFill>
-              </a:rPr>
-              <a:t>, </a:t>
-            </a:r>
-            <a:r>
-              <a:rPr lang="en-US" altLang="zh-CN" b="1" dirty="0" smtClean="0">
-                <a:solidFill>
-                  <a:srgbClr val="008000"/>
-                </a:solidFill>
-              </a:rPr>
-              <a:t>tab-switch</a:t>
+              <a:t>, tab-switch</a:t>
             </a:r>
           </a:p>
           <a:p>
